--- a/Analysis/Presentacion/ParkingApp2.pptx
+++ b/Analysis/Presentacion/ParkingApp2.pptx
@@ -5,18 +5,22 @@
     <p:sldMasterId id="2147483648" r:id="rId1"/>
   </p:sldMasterIdLst>
   <p:notesMasterIdLst>
-    <p:notesMasterId r:id="rId8"/>
+    <p:notesMasterId r:id="rId12"/>
   </p:notesMasterIdLst>
   <p:handoutMasterIdLst>
-    <p:handoutMasterId r:id="rId9"/>
+    <p:handoutMasterId r:id="rId13"/>
   </p:handoutMasterIdLst>
   <p:sldIdLst>
     <p:sldId id="256" r:id="rId2"/>
     <p:sldId id="257" r:id="rId3"/>
-    <p:sldId id="260" r:id="rId4"/>
-    <p:sldId id="261" r:id="rId5"/>
-    <p:sldId id="262" r:id="rId6"/>
-    <p:sldId id="258" r:id="rId7"/>
+    <p:sldId id="264" r:id="rId4"/>
+    <p:sldId id="266" r:id="rId5"/>
+    <p:sldId id="263" r:id="rId6"/>
+    <p:sldId id="260" r:id="rId7"/>
+    <p:sldId id="261" r:id="rId8"/>
+    <p:sldId id="262" r:id="rId9"/>
+    <p:sldId id="258" r:id="rId10"/>
+    <p:sldId id="265" r:id="rId11"/>
   </p:sldIdLst>
   <p:sldSz cx="9144000" cy="6858000" type="screen4x3"/>
   <p:notesSz cx="6858000" cy="9144000"/>
@@ -875,6 +879,103 @@
 </p:notes>
 </file>
 
+<file path=ppt/notesSlides/notesSlide10.xml><?xml version="1.0" encoding="utf-8"?>
+<p:notes xmlns:a="http://schemas.openxmlformats.org/drawingml/2006/main" xmlns:r="http://schemas.openxmlformats.org/officeDocument/2006/relationships" xmlns:p="http://schemas.openxmlformats.org/presentationml/2006/main">
+  <p:cSld>
+    <p:spTree>
+      <p:nvGrpSpPr>
+        <p:cNvPr id="1" name=""/>
+        <p:cNvGrpSpPr/>
+        <p:nvPr/>
+      </p:nvGrpSpPr>
+      <p:grpSpPr>
+        <a:xfrm>
+          <a:off x="0" y="0"/>
+          <a:ext cx="0" cy="0"/>
+          <a:chOff x="0" y="0"/>
+          <a:chExt cx="0" cy="0"/>
+        </a:xfrm>
+      </p:grpSpPr>
+      <p:sp>
+        <p:nvSpPr>
+          <p:cNvPr id="8194" name="Rectangle 7"/>
+          <p:cNvSpPr>
+            <a:spLocks noGrp="1" noChangeArrowheads="1"/>
+          </p:cNvSpPr>
+          <p:nvPr>
+            <p:ph type="sldNum" sz="quarter" idx="5"/>
+          </p:nvPr>
+        </p:nvSpPr>
+        <p:spPr>
+          <a:noFill/>
+          <a:ln>
+            <a:miter lim="800000"/>
+            <a:headEnd/>
+            <a:tailEnd/>
+          </a:ln>
+        </p:spPr>
+        <p:txBody>
+          <a:bodyPr/>
+          <a:lstStyle/>
+          <a:p>
+            <a:fld id="{7BC8D01D-16E9-4A2A-8CB8-5CF4AD25A546}" type="slidenum">
+              <a:rPr lang="en-US" smtClean="0"/>
+              <a:pPr/>
+              <a:t>10</a:t>
+            </a:fld>
+            <a:endParaRPr lang="en-US" dirty="0"/>
+          </a:p>
+        </p:txBody>
+      </p:sp>
+      <p:sp>
+        <p:nvSpPr>
+          <p:cNvPr id="8195" name="Rectangle 2"/>
+          <p:cNvSpPr>
+            <a:spLocks noGrp="1" noRot="1" noChangeAspect="1" noChangeArrowheads="1" noTextEdit="1"/>
+          </p:cNvSpPr>
+          <p:nvPr>
+            <p:ph type="sldImg"/>
+          </p:nvPr>
+        </p:nvSpPr>
+        <p:spPr>
+          <a:ln/>
+        </p:spPr>
+      </p:sp>
+      <p:sp>
+        <p:nvSpPr>
+          <p:cNvPr id="8196" name="Rectangle 3"/>
+          <p:cNvSpPr>
+            <a:spLocks noGrp="1" noChangeArrowheads="1"/>
+          </p:cNvSpPr>
+          <p:nvPr>
+            <p:ph type="body" idx="1"/>
+          </p:nvPr>
+        </p:nvSpPr>
+        <p:spPr>
+          <a:noFill/>
+        </p:spPr>
+        <p:txBody>
+          <a:bodyPr/>
+          <a:lstStyle/>
+          <a:p>
+            <a:pPr eaLnBrk="1" hangingPunct="1"/>
+            <a:endParaRPr lang="en-US" dirty="0"/>
+          </a:p>
+        </p:txBody>
+      </p:sp>
+    </p:spTree>
+    <p:extLst>
+      <p:ext uri="{BB962C8B-B14F-4D97-AF65-F5344CB8AC3E}">
+        <p14:creationId xmlns:p14="http://schemas.microsoft.com/office/powerpoint/2010/main" val="394595205"/>
+      </p:ext>
+    </p:extLst>
+  </p:cSld>
+  <p:clrMapOvr>
+    <a:masterClrMapping/>
+  </p:clrMapOvr>
+</p:notes>
+</file>
+
 <file path=ppt/notesSlides/notesSlide2.xml><?xml version="1.0" encoding="utf-8"?>
 <p:notes xmlns:a="http://schemas.openxmlformats.org/drawingml/2006/main" xmlns:r="http://schemas.openxmlformats.org/officeDocument/2006/relationships" xmlns:p="http://schemas.openxmlformats.org/presentationml/2006/main">
   <p:cSld>
@@ -1059,7 +1160,7 @@
     </p:spTree>
     <p:extLst>
       <p:ext uri="{BB962C8B-B14F-4D97-AF65-F5344CB8AC3E}">
-        <p14:creationId xmlns:p14="http://schemas.microsoft.com/office/powerpoint/2010/main" val="508717839"/>
+        <p14:creationId xmlns:p14="http://schemas.microsoft.com/office/powerpoint/2010/main" val="3885626084"/>
       </p:ext>
     </p:extLst>
   </p:cSld>
@@ -1156,7 +1257,7 @@
     </p:spTree>
     <p:extLst>
       <p:ext uri="{BB962C8B-B14F-4D97-AF65-F5344CB8AC3E}">
-        <p14:creationId xmlns:p14="http://schemas.microsoft.com/office/powerpoint/2010/main" val="2791003931"/>
+        <p14:creationId xmlns:p14="http://schemas.microsoft.com/office/powerpoint/2010/main" val="3856676713"/>
       </p:ext>
     </p:extLst>
   </p:cSld>
@@ -1253,6 +1354,297 @@
     </p:spTree>
     <p:extLst>
       <p:ext uri="{BB962C8B-B14F-4D97-AF65-F5344CB8AC3E}">
+        <p14:creationId xmlns:p14="http://schemas.microsoft.com/office/powerpoint/2010/main" val="1383749750"/>
+      </p:ext>
+    </p:extLst>
+  </p:cSld>
+  <p:clrMapOvr>
+    <a:masterClrMapping/>
+  </p:clrMapOvr>
+</p:notes>
+</file>
+
+<file path=ppt/notesSlides/notesSlide6.xml><?xml version="1.0" encoding="utf-8"?>
+<p:notes xmlns:a="http://schemas.openxmlformats.org/drawingml/2006/main" xmlns:r="http://schemas.openxmlformats.org/officeDocument/2006/relationships" xmlns:p="http://schemas.openxmlformats.org/presentationml/2006/main">
+  <p:cSld>
+    <p:spTree>
+      <p:nvGrpSpPr>
+        <p:cNvPr id="1" name=""/>
+        <p:cNvGrpSpPr/>
+        <p:nvPr/>
+      </p:nvGrpSpPr>
+      <p:grpSpPr>
+        <a:xfrm>
+          <a:off x="0" y="0"/>
+          <a:ext cx="0" cy="0"/>
+          <a:chOff x="0" y="0"/>
+          <a:chExt cx="0" cy="0"/>
+        </a:xfrm>
+      </p:grpSpPr>
+      <p:sp>
+        <p:nvSpPr>
+          <p:cNvPr id="8194" name="Rectangle 7"/>
+          <p:cNvSpPr>
+            <a:spLocks noGrp="1" noChangeArrowheads="1"/>
+          </p:cNvSpPr>
+          <p:nvPr>
+            <p:ph type="sldNum" sz="quarter" idx="5"/>
+          </p:nvPr>
+        </p:nvSpPr>
+        <p:spPr>
+          <a:noFill/>
+          <a:ln>
+            <a:miter lim="800000"/>
+            <a:headEnd/>
+            <a:tailEnd/>
+          </a:ln>
+        </p:spPr>
+        <p:txBody>
+          <a:bodyPr/>
+          <a:lstStyle/>
+          <a:p>
+            <a:fld id="{7BC8D01D-16E9-4A2A-8CB8-5CF4AD25A546}" type="slidenum">
+              <a:rPr lang="en-US" smtClean="0"/>
+              <a:pPr/>
+              <a:t>6</a:t>
+            </a:fld>
+            <a:endParaRPr lang="en-US" dirty="0"/>
+          </a:p>
+        </p:txBody>
+      </p:sp>
+      <p:sp>
+        <p:nvSpPr>
+          <p:cNvPr id="8195" name="Rectangle 2"/>
+          <p:cNvSpPr>
+            <a:spLocks noGrp="1" noRot="1" noChangeAspect="1" noChangeArrowheads="1" noTextEdit="1"/>
+          </p:cNvSpPr>
+          <p:nvPr>
+            <p:ph type="sldImg"/>
+          </p:nvPr>
+        </p:nvSpPr>
+        <p:spPr>
+          <a:ln/>
+        </p:spPr>
+      </p:sp>
+      <p:sp>
+        <p:nvSpPr>
+          <p:cNvPr id="8196" name="Rectangle 3"/>
+          <p:cNvSpPr>
+            <a:spLocks noGrp="1" noChangeArrowheads="1"/>
+          </p:cNvSpPr>
+          <p:nvPr>
+            <p:ph type="body" idx="1"/>
+          </p:nvPr>
+        </p:nvSpPr>
+        <p:spPr>
+          <a:noFill/>
+        </p:spPr>
+        <p:txBody>
+          <a:bodyPr/>
+          <a:lstStyle/>
+          <a:p>
+            <a:pPr eaLnBrk="1" hangingPunct="1"/>
+            <a:endParaRPr lang="en-US" dirty="0"/>
+          </a:p>
+        </p:txBody>
+      </p:sp>
+    </p:spTree>
+    <p:extLst>
+      <p:ext uri="{BB962C8B-B14F-4D97-AF65-F5344CB8AC3E}">
+        <p14:creationId xmlns:p14="http://schemas.microsoft.com/office/powerpoint/2010/main" val="508717839"/>
+      </p:ext>
+    </p:extLst>
+  </p:cSld>
+  <p:clrMapOvr>
+    <a:masterClrMapping/>
+  </p:clrMapOvr>
+</p:notes>
+</file>
+
+<file path=ppt/notesSlides/notesSlide7.xml><?xml version="1.0" encoding="utf-8"?>
+<p:notes xmlns:a="http://schemas.openxmlformats.org/drawingml/2006/main" xmlns:r="http://schemas.openxmlformats.org/officeDocument/2006/relationships" xmlns:p="http://schemas.openxmlformats.org/presentationml/2006/main">
+  <p:cSld>
+    <p:spTree>
+      <p:nvGrpSpPr>
+        <p:cNvPr id="1" name=""/>
+        <p:cNvGrpSpPr/>
+        <p:nvPr/>
+      </p:nvGrpSpPr>
+      <p:grpSpPr>
+        <a:xfrm>
+          <a:off x="0" y="0"/>
+          <a:ext cx="0" cy="0"/>
+          <a:chOff x="0" y="0"/>
+          <a:chExt cx="0" cy="0"/>
+        </a:xfrm>
+      </p:grpSpPr>
+      <p:sp>
+        <p:nvSpPr>
+          <p:cNvPr id="8194" name="Rectangle 7"/>
+          <p:cNvSpPr>
+            <a:spLocks noGrp="1" noChangeArrowheads="1"/>
+          </p:cNvSpPr>
+          <p:nvPr>
+            <p:ph type="sldNum" sz="quarter" idx="5"/>
+          </p:nvPr>
+        </p:nvSpPr>
+        <p:spPr>
+          <a:noFill/>
+          <a:ln>
+            <a:miter lim="800000"/>
+            <a:headEnd/>
+            <a:tailEnd/>
+          </a:ln>
+        </p:spPr>
+        <p:txBody>
+          <a:bodyPr/>
+          <a:lstStyle/>
+          <a:p>
+            <a:fld id="{7BC8D01D-16E9-4A2A-8CB8-5CF4AD25A546}" type="slidenum">
+              <a:rPr lang="en-US" smtClean="0"/>
+              <a:pPr/>
+              <a:t>7</a:t>
+            </a:fld>
+            <a:endParaRPr lang="en-US" dirty="0"/>
+          </a:p>
+        </p:txBody>
+      </p:sp>
+      <p:sp>
+        <p:nvSpPr>
+          <p:cNvPr id="8195" name="Rectangle 2"/>
+          <p:cNvSpPr>
+            <a:spLocks noGrp="1" noRot="1" noChangeAspect="1" noChangeArrowheads="1" noTextEdit="1"/>
+          </p:cNvSpPr>
+          <p:nvPr>
+            <p:ph type="sldImg"/>
+          </p:nvPr>
+        </p:nvSpPr>
+        <p:spPr>
+          <a:ln/>
+        </p:spPr>
+      </p:sp>
+      <p:sp>
+        <p:nvSpPr>
+          <p:cNvPr id="8196" name="Rectangle 3"/>
+          <p:cNvSpPr>
+            <a:spLocks noGrp="1" noChangeArrowheads="1"/>
+          </p:cNvSpPr>
+          <p:nvPr>
+            <p:ph type="body" idx="1"/>
+          </p:nvPr>
+        </p:nvSpPr>
+        <p:spPr>
+          <a:noFill/>
+        </p:spPr>
+        <p:txBody>
+          <a:bodyPr/>
+          <a:lstStyle/>
+          <a:p>
+            <a:pPr eaLnBrk="1" hangingPunct="1"/>
+            <a:endParaRPr lang="en-US" dirty="0"/>
+          </a:p>
+        </p:txBody>
+      </p:sp>
+    </p:spTree>
+    <p:extLst>
+      <p:ext uri="{BB962C8B-B14F-4D97-AF65-F5344CB8AC3E}">
+        <p14:creationId xmlns:p14="http://schemas.microsoft.com/office/powerpoint/2010/main" val="2791003931"/>
+      </p:ext>
+    </p:extLst>
+  </p:cSld>
+  <p:clrMapOvr>
+    <a:masterClrMapping/>
+  </p:clrMapOvr>
+</p:notes>
+</file>
+
+<file path=ppt/notesSlides/notesSlide8.xml><?xml version="1.0" encoding="utf-8"?>
+<p:notes xmlns:a="http://schemas.openxmlformats.org/drawingml/2006/main" xmlns:r="http://schemas.openxmlformats.org/officeDocument/2006/relationships" xmlns:p="http://schemas.openxmlformats.org/presentationml/2006/main">
+  <p:cSld>
+    <p:spTree>
+      <p:nvGrpSpPr>
+        <p:cNvPr id="1" name=""/>
+        <p:cNvGrpSpPr/>
+        <p:nvPr/>
+      </p:nvGrpSpPr>
+      <p:grpSpPr>
+        <a:xfrm>
+          <a:off x="0" y="0"/>
+          <a:ext cx="0" cy="0"/>
+          <a:chOff x="0" y="0"/>
+          <a:chExt cx="0" cy="0"/>
+        </a:xfrm>
+      </p:grpSpPr>
+      <p:sp>
+        <p:nvSpPr>
+          <p:cNvPr id="8194" name="Rectangle 7"/>
+          <p:cNvSpPr>
+            <a:spLocks noGrp="1" noChangeArrowheads="1"/>
+          </p:cNvSpPr>
+          <p:nvPr>
+            <p:ph type="sldNum" sz="quarter" idx="5"/>
+          </p:nvPr>
+        </p:nvSpPr>
+        <p:spPr>
+          <a:noFill/>
+          <a:ln>
+            <a:miter lim="800000"/>
+            <a:headEnd/>
+            <a:tailEnd/>
+          </a:ln>
+        </p:spPr>
+        <p:txBody>
+          <a:bodyPr/>
+          <a:lstStyle/>
+          <a:p>
+            <a:fld id="{7BC8D01D-16E9-4A2A-8CB8-5CF4AD25A546}" type="slidenum">
+              <a:rPr lang="en-US" smtClean="0"/>
+              <a:pPr/>
+              <a:t>8</a:t>
+            </a:fld>
+            <a:endParaRPr lang="en-US" dirty="0"/>
+          </a:p>
+        </p:txBody>
+      </p:sp>
+      <p:sp>
+        <p:nvSpPr>
+          <p:cNvPr id="8195" name="Rectangle 2"/>
+          <p:cNvSpPr>
+            <a:spLocks noGrp="1" noRot="1" noChangeAspect="1" noChangeArrowheads="1" noTextEdit="1"/>
+          </p:cNvSpPr>
+          <p:nvPr>
+            <p:ph type="sldImg"/>
+          </p:nvPr>
+        </p:nvSpPr>
+        <p:spPr>
+          <a:ln/>
+        </p:spPr>
+      </p:sp>
+      <p:sp>
+        <p:nvSpPr>
+          <p:cNvPr id="8196" name="Rectangle 3"/>
+          <p:cNvSpPr>
+            <a:spLocks noGrp="1" noChangeArrowheads="1"/>
+          </p:cNvSpPr>
+          <p:nvPr>
+            <p:ph type="body" idx="1"/>
+          </p:nvPr>
+        </p:nvSpPr>
+        <p:spPr>
+          <a:noFill/>
+        </p:spPr>
+        <p:txBody>
+          <a:bodyPr/>
+          <a:lstStyle/>
+          <a:p>
+            <a:pPr eaLnBrk="1" hangingPunct="1"/>
+            <a:endParaRPr lang="en-US" dirty="0"/>
+          </a:p>
+        </p:txBody>
+      </p:sp>
+    </p:spTree>
+    <p:extLst>
+      <p:ext uri="{BB962C8B-B14F-4D97-AF65-F5344CB8AC3E}">
         <p14:creationId xmlns:p14="http://schemas.microsoft.com/office/powerpoint/2010/main" val="1622697464"/>
       </p:ext>
     </p:extLst>
@@ -1263,7 +1655,7 @@
 </p:notes>
 </file>
 
-<file path=ppt/notesSlides/notesSlide6.xml><?xml version="1.0" encoding="utf-8"?>
+<file path=ppt/notesSlides/notesSlide9.xml><?xml version="1.0" encoding="utf-8"?>
 <p:notes xmlns:a="http://schemas.openxmlformats.org/drawingml/2006/main" xmlns:r="http://schemas.openxmlformats.org/officeDocument/2006/relationships" xmlns:p="http://schemas.openxmlformats.org/presentationml/2006/main">
   <p:cSld>
     <p:spTree>
@@ -1305,7 +1697,7 @@
             <a:fld id="{65E33123-0EF9-44DE-A36F-453C9B12D25F}" type="slidenum">
               <a:rPr lang="en-US" smtClean="0"/>
               <a:pPr/>
-              <a:t>6</a:t>
+              <a:t>9</a:t>
             </a:fld>
             <a:endParaRPr lang="en-US" dirty="0"/>
           </a:p>
@@ -3558,7 +3950,7 @@
           <p:cNvPr id="7" name="Rectangle 2">
             <a:extLst>
               <a:ext uri="{FF2B5EF4-FFF2-40B4-BE49-F238E27FC236}">
-                <a16:creationId xmlns:a16="http://schemas.microsoft.com/office/drawing/2014/main" xmlns="" id="{49E8A379-71A7-4769-B512-425659CF04C7}"/>
+                <a16:creationId xmlns="" xmlns:a16="http://schemas.microsoft.com/office/drawing/2014/main" id="{49E8A379-71A7-4769-B512-425659CF04C7}"/>
               </a:ext>
             </a:extLst>
           </p:cNvPr>
@@ -3806,7 +4198,7 @@
           <p:cNvPr id="8" name="Rectangle 2">
             <a:extLst>
               <a:ext uri="{FF2B5EF4-FFF2-40B4-BE49-F238E27FC236}">
-                <a16:creationId xmlns:a16="http://schemas.microsoft.com/office/drawing/2014/main" xmlns="" id="{259CA383-1676-4B14-AEAD-BB977D5CDD05}"/>
+                <a16:creationId xmlns="" xmlns:a16="http://schemas.microsoft.com/office/drawing/2014/main" id="{259CA383-1676-4B14-AEAD-BB977D5CDD05}"/>
               </a:ext>
             </a:extLst>
           </p:cNvPr>
@@ -3996,7 +4388,7 @@
           <p:cNvPr id="9" name="Rectangle 2">
             <a:extLst>
               <a:ext uri="{FF2B5EF4-FFF2-40B4-BE49-F238E27FC236}">
-                <a16:creationId xmlns:a16="http://schemas.microsoft.com/office/drawing/2014/main" xmlns="" id="{2CCA42AE-CFC2-4FF1-9B5B-991B251E16E7}"/>
+                <a16:creationId xmlns="" xmlns:a16="http://schemas.microsoft.com/office/drawing/2014/main" id="{2CCA42AE-CFC2-4FF1-9B5B-991B251E16E7}"/>
               </a:ext>
             </a:extLst>
           </p:cNvPr>
@@ -4193,7 +4585,7 @@
           <p:cNvPr id="6" name="Rectangle 2">
             <a:extLst>
               <a:ext uri="{FF2B5EF4-FFF2-40B4-BE49-F238E27FC236}">
-                <a16:creationId xmlns:a16="http://schemas.microsoft.com/office/drawing/2014/main" xmlns="" id="{2CCA42AE-CFC2-4FF1-9B5B-991B251E16E7}"/>
+                <a16:creationId xmlns="" xmlns:a16="http://schemas.microsoft.com/office/drawing/2014/main" id="{2CCA42AE-CFC2-4FF1-9B5B-991B251E16E7}"/>
               </a:ext>
             </a:extLst>
           </p:cNvPr>
@@ -4369,6 +4761,249 @@
         </p:txBody>
       </p:sp>
     </p:spTree>
+  </p:cSld>
+  <p:clrMapOvr>
+    <a:masterClrMapping/>
+  </p:clrMapOvr>
+  <p:timing>
+    <p:tnLst>
+      <p:par>
+        <p:cTn id="1" dur="indefinite" restart="never" nodeType="tmRoot"/>
+      </p:par>
+    </p:tnLst>
+  </p:timing>
+</p:sld>
+</file>
+
+<file path=ppt/slides/slide10.xml><?xml version="1.0" encoding="utf-8"?>
+<p:sld xmlns:a="http://schemas.openxmlformats.org/drawingml/2006/main" xmlns:r="http://schemas.openxmlformats.org/officeDocument/2006/relationships" xmlns:p="http://schemas.openxmlformats.org/presentationml/2006/main">
+  <p:cSld>
+    <p:spTree>
+      <p:nvGrpSpPr>
+        <p:cNvPr id="1" name=""/>
+        <p:cNvGrpSpPr/>
+        <p:nvPr/>
+      </p:nvGrpSpPr>
+      <p:grpSpPr>
+        <a:xfrm>
+          <a:off x="0" y="0"/>
+          <a:ext cx="0" cy="0"/>
+          <a:chOff x="0" y="0"/>
+          <a:chExt cx="0" cy="0"/>
+        </a:xfrm>
+      </p:grpSpPr>
+      <p:sp>
+        <p:nvSpPr>
+          <p:cNvPr id="4098" name="Rectangle 2"/>
+          <p:cNvSpPr>
+            <a:spLocks noGrp="1" noChangeArrowheads="1"/>
+          </p:cNvSpPr>
+          <p:nvPr>
+            <p:ph type="title"/>
+          </p:nvPr>
+        </p:nvSpPr>
+        <p:spPr>
+          <a:xfrm>
+            <a:off x="827088" y="1557338"/>
+            <a:ext cx="5400675" cy="646112"/>
+          </a:xfrm>
+        </p:spPr>
+        <p:txBody>
+          <a:bodyPr/>
+          <a:lstStyle/>
+          <a:p>
+            <a:pPr eaLnBrk="1" hangingPunct="1"/>
+            <a:r>
+              <a:rPr lang="es-PY" b="1" dirty="0" smtClean="0">
+                <a:latin typeface="Tahoma" charset="0"/>
+              </a:rPr>
+              <a:t>Conclusión</a:t>
+            </a:r>
+            <a:endParaRPr lang="es-PY" b="1" dirty="0">
+              <a:latin typeface="Tahoma" charset="0"/>
+            </a:endParaRPr>
+          </a:p>
+        </p:txBody>
+      </p:sp>
+      <p:sp>
+        <p:nvSpPr>
+          <p:cNvPr id="4" name="Rectangle 2"/>
+          <p:cNvSpPr txBox="1">
+            <a:spLocks noChangeArrowheads="1"/>
+          </p:cNvSpPr>
+          <p:nvPr/>
+        </p:nvSpPr>
+        <p:spPr bwMode="auto">
+          <a:xfrm>
+            <a:off x="834133" y="4005064"/>
+            <a:ext cx="7766830" cy="646112"/>
+          </a:xfrm>
+          <a:prstGeom prst="rect">
+            <a:avLst/>
+          </a:prstGeom>
+          <a:noFill/>
+          <a:ln w="9525">
+            <a:noFill/>
+            <a:miter lim="800000"/>
+            <a:headEnd/>
+            <a:tailEnd/>
+          </a:ln>
+          <a:effectLst/>
+        </p:spPr>
+        <p:txBody>
+          <a:bodyPr vert="horz" wrap="square" lIns="91440" tIns="45720" rIns="91440" bIns="45720" numCol="1" anchor="ctr" anchorCtr="0" compatLnSpc="1">
+            <a:prstTxWarp prst="textNoShape">
+              <a:avLst/>
+            </a:prstTxWarp>
+          </a:bodyPr>
+          <a:lstStyle>
+            <a:lvl1pPr algn="l" rtl="0" eaLnBrk="1" fontAlgn="base" hangingPunct="1">
+              <a:spcBef>
+                <a:spcPct val="0"/>
+              </a:spcBef>
+              <a:spcAft>
+                <a:spcPct val="0"/>
+              </a:spcAft>
+              <a:defRPr sz="3200">
+                <a:solidFill>
+                  <a:schemeClr val="bg1"/>
+                </a:solidFill>
+                <a:latin typeface="+mj-lt"/>
+                <a:ea typeface="+mj-ea"/>
+                <a:cs typeface="+mj-cs"/>
+              </a:defRPr>
+            </a:lvl1pPr>
+            <a:lvl2pPr algn="l" rtl="0" eaLnBrk="1" fontAlgn="base" hangingPunct="1">
+              <a:spcBef>
+                <a:spcPct val="0"/>
+              </a:spcBef>
+              <a:spcAft>
+                <a:spcPct val="0"/>
+              </a:spcAft>
+              <a:defRPr sz="3200">
+                <a:solidFill>
+                  <a:schemeClr val="bg1"/>
+                </a:solidFill>
+                <a:latin typeface="Arial" charset="0"/>
+              </a:defRPr>
+            </a:lvl2pPr>
+            <a:lvl3pPr algn="l" rtl="0" eaLnBrk="1" fontAlgn="base" hangingPunct="1">
+              <a:spcBef>
+                <a:spcPct val="0"/>
+              </a:spcBef>
+              <a:spcAft>
+                <a:spcPct val="0"/>
+              </a:spcAft>
+              <a:defRPr sz="3200">
+                <a:solidFill>
+                  <a:schemeClr val="bg1"/>
+                </a:solidFill>
+                <a:latin typeface="Arial" charset="0"/>
+              </a:defRPr>
+            </a:lvl3pPr>
+            <a:lvl4pPr algn="l" rtl="0" eaLnBrk="1" fontAlgn="base" hangingPunct="1">
+              <a:spcBef>
+                <a:spcPct val="0"/>
+              </a:spcBef>
+              <a:spcAft>
+                <a:spcPct val="0"/>
+              </a:spcAft>
+              <a:defRPr sz="3200">
+                <a:solidFill>
+                  <a:schemeClr val="bg1"/>
+                </a:solidFill>
+                <a:latin typeface="Arial" charset="0"/>
+              </a:defRPr>
+            </a:lvl4pPr>
+            <a:lvl5pPr algn="l" rtl="0" eaLnBrk="1" fontAlgn="base" hangingPunct="1">
+              <a:spcBef>
+                <a:spcPct val="0"/>
+              </a:spcBef>
+              <a:spcAft>
+                <a:spcPct val="0"/>
+              </a:spcAft>
+              <a:defRPr sz="3200">
+                <a:solidFill>
+                  <a:schemeClr val="bg1"/>
+                </a:solidFill>
+                <a:latin typeface="Arial" charset="0"/>
+              </a:defRPr>
+            </a:lvl5pPr>
+            <a:lvl6pPr marL="457200" algn="l" rtl="0" eaLnBrk="1" fontAlgn="base" hangingPunct="1">
+              <a:spcBef>
+                <a:spcPct val="0"/>
+              </a:spcBef>
+              <a:spcAft>
+                <a:spcPct val="0"/>
+              </a:spcAft>
+              <a:defRPr sz="3200">
+                <a:solidFill>
+                  <a:schemeClr val="bg1"/>
+                </a:solidFill>
+                <a:latin typeface="Arial" charset="0"/>
+              </a:defRPr>
+            </a:lvl6pPr>
+            <a:lvl7pPr marL="914400" algn="l" rtl="0" eaLnBrk="1" fontAlgn="base" hangingPunct="1">
+              <a:spcBef>
+                <a:spcPct val="0"/>
+              </a:spcBef>
+              <a:spcAft>
+                <a:spcPct val="0"/>
+              </a:spcAft>
+              <a:defRPr sz="3200">
+                <a:solidFill>
+                  <a:schemeClr val="bg1"/>
+                </a:solidFill>
+                <a:latin typeface="Arial" charset="0"/>
+              </a:defRPr>
+            </a:lvl7pPr>
+            <a:lvl8pPr marL="1371600" algn="l" rtl="0" eaLnBrk="1" fontAlgn="base" hangingPunct="1">
+              <a:spcBef>
+                <a:spcPct val="0"/>
+              </a:spcBef>
+              <a:spcAft>
+                <a:spcPct val="0"/>
+              </a:spcAft>
+              <a:defRPr sz="3200">
+                <a:solidFill>
+                  <a:schemeClr val="bg1"/>
+                </a:solidFill>
+                <a:latin typeface="Arial" charset="0"/>
+              </a:defRPr>
+            </a:lvl8pPr>
+            <a:lvl9pPr marL="1828800" algn="l" rtl="0" eaLnBrk="1" fontAlgn="base" hangingPunct="1">
+              <a:spcBef>
+                <a:spcPct val="0"/>
+              </a:spcBef>
+              <a:spcAft>
+                <a:spcPct val="0"/>
+              </a:spcAft>
+              <a:defRPr sz="3200">
+                <a:solidFill>
+                  <a:schemeClr val="bg1"/>
+                </a:solidFill>
+                <a:latin typeface="Arial" charset="0"/>
+              </a:defRPr>
+            </a:lvl9pPr>
+          </a:lstStyle>
+          <a:p>
+            <a:pPr algn="just"/>
+            <a:r>
+              <a:rPr lang="es-ES" sz="2400" dirty="0"/>
+              <a:t>Al concluir el presente trabajo, que permitió el desarrollo y puesta en marcha de una aplicación móvil para controlar la disponibilidad de lugares dentro del parqueadero denominada “ParkingApp”, siendo esta una solución informática tecnológica que pondrá a disposición de los dueños de parqueaderos la información, tarifas, ubicación, espacios disponibles en tiempo real “online” dentro del terreno, de esta manera se convierte en un aporte científico a la sociedad con el uso de tecnologías actuales empleadas para su desarrollo.</a:t>
+            </a:r>
+            <a:endParaRPr lang="es-PY" sz="2400" b="1" kern="0" dirty="0">
+              <a:latin typeface="Tahoma" charset="0"/>
+            </a:endParaRPr>
+          </a:p>
+        </p:txBody>
+      </p:sp>
+    </p:spTree>
+    <p:extLst>
+      <p:ext uri="{BB962C8B-B14F-4D97-AF65-F5344CB8AC3E}">
+        <p14:creationId xmlns:p14="http://schemas.microsoft.com/office/powerpoint/2010/main" val="179685733"/>
+      </p:ext>
+    </p:extLst>
   </p:cSld>
   <p:clrMapOvr>
     <a:masterClrMapping/>
@@ -4425,25 +5060,7 @@
               <a:rPr lang="es-PY" b="1" dirty="0" smtClean="0">
                 <a:latin typeface="Tahoma" charset="0"/>
               </a:rPr>
-              <a:t>Modelo</a:t>
-            </a:r>
-            <a:r>
-              <a:rPr lang="en-US" b="1" dirty="0" smtClean="0">
-                <a:latin typeface="Tahoma" charset="0"/>
-              </a:rPr>
-              <a:t> </a:t>
-            </a:r>
-            <a:r>
-              <a:rPr lang="en-US" b="1" dirty="0">
-                <a:latin typeface="Tahoma" charset="0"/>
-              </a:rPr>
-              <a:t>de </a:t>
-            </a:r>
-            <a:r>
-              <a:rPr lang="es-PY" b="1" dirty="0" smtClean="0">
-                <a:latin typeface="Tahoma" charset="0"/>
-              </a:rPr>
-              <a:t>Negocio</a:t>
+              <a:t>Introducción</a:t>
             </a:r>
             <a:endParaRPr lang="es-PY" b="1" dirty="0">
               <a:latin typeface="Tahoma" charset="0"/>
@@ -4451,42 +5068,179 @@
           </a:p>
         </p:txBody>
       </p:sp>
-      <p:pic>
-        <p:nvPicPr>
-          <p:cNvPr id="3" name="Imagen 2">
-            <a:extLst>
-              <a:ext uri="{FF2B5EF4-FFF2-40B4-BE49-F238E27FC236}">
-                <a16:creationId xmlns:a16="http://schemas.microsoft.com/office/drawing/2014/main" xmlns="" id="{876F6110-F1B2-43A7-83A0-1801E7BD68CC}"/>
-              </a:ext>
-            </a:extLst>
-          </p:cNvPr>
-          <p:cNvPicPr>
-            <a:picLocks noChangeAspect="1"/>
-          </p:cNvPicPr>
+      <p:sp>
+        <p:nvSpPr>
+          <p:cNvPr id="4" name="Rectangle 2"/>
+          <p:cNvSpPr txBox="1">
+            <a:spLocks noChangeArrowheads="1"/>
+          </p:cNvSpPr>
           <p:nvPr/>
-        </p:nvPicPr>
-        <p:blipFill>
-          <a:blip r:embed="rId3">
-            <a:extLst>
-              <a:ext uri="{28A0092B-C50C-407E-A947-70E740481C1C}">
-                <a14:useLocalDpi xmlns:a14="http://schemas.microsoft.com/office/drawing/2010/main" val="0"/>
-              </a:ext>
-            </a:extLst>
-          </a:blip>
-          <a:stretch>
-            <a:fillRect/>
-          </a:stretch>
-        </p:blipFill>
-        <p:spPr>
+        </p:nvSpPr>
+        <p:spPr bwMode="auto">
           <a:xfrm>
-            <a:off x="683568" y="2420888"/>
-            <a:ext cx="6572250" cy="3524250"/>
+            <a:off x="827088" y="3717032"/>
+            <a:ext cx="7766830" cy="646112"/>
           </a:xfrm>
           <a:prstGeom prst="rect">
             <a:avLst/>
           </a:prstGeom>
-        </p:spPr>
-      </p:pic>
+          <a:noFill/>
+          <a:ln w="9525">
+            <a:noFill/>
+            <a:miter lim="800000"/>
+            <a:headEnd/>
+            <a:tailEnd/>
+          </a:ln>
+          <a:effectLst/>
+        </p:spPr>
+        <p:txBody>
+          <a:bodyPr vert="horz" wrap="square" lIns="91440" tIns="45720" rIns="91440" bIns="45720" numCol="1" anchor="ctr" anchorCtr="0" compatLnSpc="1">
+            <a:prstTxWarp prst="textNoShape">
+              <a:avLst/>
+            </a:prstTxWarp>
+          </a:bodyPr>
+          <a:lstStyle>
+            <a:lvl1pPr algn="l" rtl="0" eaLnBrk="1" fontAlgn="base" hangingPunct="1">
+              <a:spcBef>
+                <a:spcPct val="0"/>
+              </a:spcBef>
+              <a:spcAft>
+                <a:spcPct val="0"/>
+              </a:spcAft>
+              <a:defRPr sz="3200">
+                <a:solidFill>
+                  <a:schemeClr val="bg1"/>
+                </a:solidFill>
+                <a:latin typeface="+mj-lt"/>
+                <a:ea typeface="+mj-ea"/>
+                <a:cs typeface="+mj-cs"/>
+              </a:defRPr>
+            </a:lvl1pPr>
+            <a:lvl2pPr algn="l" rtl="0" eaLnBrk="1" fontAlgn="base" hangingPunct="1">
+              <a:spcBef>
+                <a:spcPct val="0"/>
+              </a:spcBef>
+              <a:spcAft>
+                <a:spcPct val="0"/>
+              </a:spcAft>
+              <a:defRPr sz="3200">
+                <a:solidFill>
+                  <a:schemeClr val="bg1"/>
+                </a:solidFill>
+                <a:latin typeface="Arial" charset="0"/>
+              </a:defRPr>
+            </a:lvl2pPr>
+            <a:lvl3pPr algn="l" rtl="0" eaLnBrk="1" fontAlgn="base" hangingPunct="1">
+              <a:spcBef>
+                <a:spcPct val="0"/>
+              </a:spcBef>
+              <a:spcAft>
+                <a:spcPct val="0"/>
+              </a:spcAft>
+              <a:defRPr sz="3200">
+                <a:solidFill>
+                  <a:schemeClr val="bg1"/>
+                </a:solidFill>
+                <a:latin typeface="Arial" charset="0"/>
+              </a:defRPr>
+            </a:lvl3pPr>
+            <a:lvl4pPr algn="l" rtl="0" eaLnBrk="1" fontAlgn="base" hangingPunct="1">
+              <a:spcBef>
+                <a:spcPct val="0"/>
+              </a:spcBef>
+              <a:spcAft>
+                <a:spcPct val="0"/>
+              </a:spcAft>
+              <a:defRPr sz="3200">
+                <a:solidFill>
+                  <a:schemeClr val="bg1"/>
+                </a:solidFill>
+                <a:latin typeface="Arial" charset="0"/>
+              </a:defRPr>
+            </a:lvl4pPr>
+            <a:lvl5pPr algn="l" rtl="0" eaLnBrk="1" fontAlgn="base" hangingPunct="1">
+              <a:spcBef>
+                <a:spcPct val="0"/>
+              </a:spcBef>
+              <a:spcAft>
+                <a:spcPct val="0"/>
+              </a:spcAft>
+              <a:defRPr sz="3200">
+                <a:solidFill>
+                  <a:schemeClr val="bg1"/>
+                </a:solidFill>
+                <a:latin typeface="Arial" charset="0"/>
+              </a:defRPr>
+            </a:lvl5pPr>
+            <a:lvl6pPr marL="457200" algn="l" rtl="0" eaLnBrk="1" fontAlgn="base" hangingPunct="1">
+              <a:spcBef>
+                <a:spcPct val="0"/>
+              </a:spcBef>
+              <a:spcAft>
+                <a:spcPct val="0"/>
+              </a:spcAft>
+              <a:defRPr sz="3200">
+                <a:solidFill>
+                  <a:schemeClr val="bg1"/>
+                </a:solidFill>
+                <a:latin typeface="Arial" charset="0"/>
+              </a:defRPr>
+            </a:lvl6pPr>
+            <a:lvl7pPr marL="914400" algn="l" rtl="0" eaLnBrk="1" fontAlgn="base" hangingPunct="1">
+              <a:spcBef>
+                <a:spcPct val="0"/>
+              </a:spcBef>
+              <a:spcAft>
+                <a:spcPct val="0"/>
+              </a:spcAft>
+              <a:defRPr sz="3200">
+                <a:solidFill>
+                  <a:schemeClr val="bg1"/>
+                </a:solidFill>
+                <a:latin typeface="Arial" charset="0"/>
+              </a:defRPr>
+            </a:lvl7pPr>
+            <a:lvl8pPr marL="1371600" algn="l" rtl="0" eaLnBrk="1" fontAlgn="base" hangingPunct="1">
+              <a:spcBef>
+                <a:spcPct val="0"/>
+              </a:spcBef>
+              <a:spcAft>
+                <a:spcPct val="0"/>
+              </a:spcAft>
+              <a:defRPr sz="3200">
+                <a:solidFill>
+                  <a:schemeClr val="bg1"/>
+                </a:solidFill>
+                <a:latin typeface="Arial" charset="0"/>
+              </a:defRPr>
+            </a:lvl8pPr>
+            <a:lvl9pPr marL="1828800" algn="l" rtl="0" eaLnBrk="1" fontAlgn="base" hangingPunct="1">
+              <a:spcBef>
+                <a:spcPct val="0"/>
+              </a:spcBef>
+              <a:spcAft>
+                <a:spcPct val="0"/>
+              </a:spcAft>
+              <a:defRPr sz="3200">
+                <a:solidFill>
+                  <a:schemeClr val="bg1"/>
+                </a:solidFill>
+                <a:latin typeface="Arial" charset="0"/>
+              </a:defRPr>
+            </a:lvl9pPr>
+          </a:lstStyle>
+          <a:p>
+            <a:pPr algn="just"/>
+            <a:r>
+              <a:rPr lang="es-ES" sz="2400" dirty="0"/>
+              <a:t>Desde los inicios y entrada en funcionamiento de los parqueaderos como estrategia comercial que ofrecía la prestación del servicio de estacionamiento vigilado de vehículos (utilizados como medios de transportes de los ciudadanos del común), se venía vislumbrado un gran impacto comercial debido en su mayoría a la practicidad y oportunidad para contrarrestar fenómenos sociales que habitualmente se presentaban amenazantes ante las personas y sus vehículos.</a:t>
+            </a:r>
+            <a:endParaRPr lang="es-PY" sz="2400" b="1" kern="0" dirty="0">
+              <a:latin typeface="Tahoma" charset="0"/>
+            </a:endParaRPr>
+          </a:p>
+        </p:txBody>
+      </p:sp>
     </p:spTree>
   </p:cSld>
   <p:clrMapOvr>
@@ -4531,7 +5285,7 @@
         </p:nvSpPr>
         <p:spPr>
           <a:xfrm>
-            <a:off x="0" y="3429000"/>
+            <a:off x="827088" y="1557338"/>
             <a:ext cx="5400675" cy="646112"/>
           </a:xfrm>
         </p:spPr>
@@ -4541,57 +5295,246 @@
           <a:p>
             <a:pPr eaLnBrk="1" hangingPunct="1"/>
             <a:r>
-              <a:rPr lang="en-US" b="1" dirty="0">
+              <a:rPr lang="es-PY" b="1" dirty="0" smtClean="0">
                 <a:latin typeface="Tahoma" charset="0"/>
               </a:rPr>
-              <a:t>DER </a:t>
-            </a:r>
-            <a:endParaRPr lang="uk-UA" b="1" dirty="0">
+              <a:t>Entidad, Tema y Alcance</a:t>
+            </a:r>
+            <a:endParaRPr lang="es-PY" b="1" dirty="0">
               <a:latin typeface="Tahoma" charset="0"/>
             </a:endParaRPr>
           </a:p>
         </p:txBody>
       </p:sp>
-      <p:pic>
-        <p:nvPicPr>
-          <p:cNvPr id="3" name="Imagen 2">
-            <a:extLst>
-              <a:ext uri="{FF2B5EF4-FFF2-40B4-BE49-F238E27FC236}">
-                <a16:creationId xmlns:a16="http://schemas.microsoft.com/office/drawing/2014/main" xmlns="" id="{E00410B8-2192-418C-BAC0-098B0AE21500}"/>
-              </a:ext>
-            </a:extLst>
-          </p:cNvPr>
-          <p:cNvPicPr>
-            <a:picLocks noChangeAspect="1"/>
-          </p:cNvPicPr>
+      <p:sp>
+        <p:nvSpPr>
+          <p:cNvPr id="4" name="Rectangle 2"/>
+          <p:cNvSpPr txBox="1">
+            <a:spLocks noChangeArrowheads="1"/>
+          </p:cNvSpPr>
           <p:nvPr/>
-        </p:nvPicPr>
-        <p:blipFill>
-          <a:blip r:embed="rId3">
-            <a:extLst>
-              <a:ext uri="{28A0092B-C50C-407E-A947-70E740481C1C}">
-                <a14:useLocalDpi xmlns:a14="http://schemas.microsoft.com/office/drawing/2010/main" val="0"/>
-              </a:ext>
-            </a:extLst>
-          </a:blip>
-          <a:stretch>
-            <a:fillRect/>
-          </a:stretch>
-        </p:blipFill>
-        <p:spPr>
+        </p:nvSpPr>
+        <p:spPr bwMode="auto">
           <a:xfrm>
-            <a:off x="1605238" y="1700808"/>
-            <a:ext cx="7524328" cy="5040560"/>
+            <a:off x="827088" y="3717032"/>
+            <a:ext cx="7766830" cy="646112"/>
           </a:xfrm>
           <a:prstGeom prst="rect">
             <a:avLst/>
           </a:prstGeom>
-        </p:spPr>
-      </p:pic>
+          <a:noFill/>
+          <a:ln w="9525">
+            <a:noFill/>
+            <a:miter lim="800000"/>
+            <a:headEnd/>
+            <a:tailEnd/>
+          </a:ln>
+          <a:effectLst/>
+        </p:spPr>
+        <p:txBody>
+          <a:bodyPr vert="horz" wrap="square" lIns="91440" tIns="45720" rIns="91440" bIns="45720" numCol="1" anchor="ctr" anchorCtr="0" compatLnSpc="1">
+            <a:prstTxWarp prst="textNoShape">
+              <a:avLst/>
+            </a:prstTxWarp>
+          </a:bodyPr>
+          <a:lstStyle>
+            <a:lvl1pPr algn="l" rtl="0" eaLnBrk="1" fontAlgn="base" hangingPunct="1">
+              <a:spcBef>
+                <a:spcPct val="0"/>
+              </a:spcBef>
+              <a:spcAft>
+                <a:spcPct val="0"/>
+              </a:spcAft>
+              <a:defRPr sz="3200">
+                <a:solidFill>
+                  <a:schemeClr val="bg1"/>
+                </a:solidFill>
+                <a:latin typeface="+mj-lt"/>
+                <a:ea typeface="+mj-ea"/>
+                <a:cs typeface="+mj-cs"/>
+              </a:defRPr>
+            </a:lvl1pPr>
+            <a:lvl2pPr algn="l" rtl="0" eaLnBrk="1" fontAlgn="base" hangingPunct="1">
+              <a:spcBef>
+                <a:spcPct val="0"/>
+              </a:spcBef>
+              <a:spcAft>
+                <a:spcPct val="0"/>
+              </a:spcAft>
+              <a:defRPr sz="3200">
+                <a:solidFill>
+                  <a:schemeClr val="bg1"/>
+                </a:solidFill>
+                <a:latin typeface="Arial" charset="0"/>
+              </a:defRPr>
+            </a:lvl2pPr>
+            <a:lvl3pPr algn="l" rtl="0" eaLnBrk="1" fontAlgn="base" hangingPunct="1">
+              <a:spcBef>
+                <a:spcPct val="0"/>
+              </a:spcBef>
+              <a:spcAft>
+                <a:spcPct val="0"/>
+              </a:spcAft>
+              <a:defRPr sz="3200">
+                <a:solidFill>
+                  <a:schemeClr val="bg1"/>
+                </a:solidFill>
+                <a:latin typeface="Arial" charset="0"/>
+              </a:defRPr>
+            </a:lvl3pPr>
+            <a:lvl4pPr algn="l" rtl="0" eaLnBrk="1" fontAlgn="base" hangingPunct="1">
+              <a:spcBef>
+                <a:spcPct val="0"/>
+              </a:spcBef>
+              <a:spcAft>
+                <a:spcPct val="0"/>
+              </a:spcAft>
+              <a:defRPr sz="3200">
+                <a:solidFill>
+                  <a:schemeClr val="bg1"/>
+                </a:solidFill>
+                <a:latin typeface="Arial" charset="0"/>
+              </a:defRPr>
+            </a:lvl4pPr>
+            <a:lvl5pPr algn="l" rtl="0" eaLnBrk="1" fontAlgn="base" hangingPunct="1">
+              <a:spcBef>
+                <a:spcPct val="0"/>
+              </a:spcBef>
+              <a:spcAft>
+                <a:spcPct val="0"/>
+              </a:spcAft>
+              <a:defRPr sz="3200">
+                <a:solidFill>
+                  <a:schemeClr val="bg1"/>
+                </a:solidFill>
+                <a:latin typeface="Arial" charset="0"/>
+              </a:defRPr>
+            </a:lvl5pPr>
+            <a:lvl6pPr marL="457200" algn="l" rtl="0" eaLnBrk="1" fontAlgn="base" hangingPunct="1">
+              <a:spcBef>
+                <a:spcPct val="0"/>
+              </a:spcBef>
+              <a:spcAft>
+                <a:spcPct val="0"/>
+              </a:spcAft>
+              <a:defRPr sz="3200">
+                <a:solidFill>
+                  <a:schemeClr val="bg1"/>
+                </a:solidFill>
+                <a:latin typeface="Arial" charset="0"/>
+              </a:defRPr>
+            </a:lvl6pPr>
+            <a:lvl7pPr marL="914400" algn="l" rtl="0" eaLnBrk="1" fontAlgn="base" hangingPunct="1">
+              <a:spcBef>
+                <a:spcPct val="0"/>
+              </a:spcBef>
+              <a:spcAft>
+                <a:spcPct val="0"/>
+              </a:spcAft>
+              <a:defRPr sz="3200">
+                <a:solidFill>
+                  <a:schemeClr val="bg1"/>
+                </a:solidFill>
+                <a:latin typeface="Arial" charset="0"/>
+              </a:defRPr>
+            </a:lvl7pPr>
+            <a:lvl8pPr marL="1371600" algn="l" rtl="0" eaLnBrk="1" fontAlgn="base" hangingPunct="1">
+              <a:spcBef>
+                <a:spcPct val="0"/>
+              </a:spcBef>
+              <a:spcAft>
+                <a:spcPct val="0"/>
+              </a:spcAft>
+              <a:defRPr sz="3200">
+                <a:solidFill>
+                  <a:schemeClr val="bg1"/>
+                </a:solidFill>
+                <a:latin typeface="Arial" charset="0"/>
+              </a:defRPr>
+            </a:lvl8pPr>
+            <a:lvl9pPr marL="1828800" algn="l" rtl="0" eaLnBrk="1" fontAlgn="base" hangingPunct="1">
+              <a:spcBef>
+                <a:spcPct val="0"/>
+              </a:spcBef>
+              <a:spcAft>
+                <a:spcPct val="0"/>
+              </a:spcAft>
+              <a:defRPr sz="3200">
+                <a:solidFill>
+                  <a:schemeClr val="bg1"/>
+                </a:solidFill>
+                <a:latin typeface="Arial" charset="0"/>
+              </a:defRPr>
+            </a:lvl9pPr>
+          </a:lstStyle>
+          <a:p>
+            <a:r>
+              <a:rPr lang="es-ES" sz="2400" b="1" dirty="0" smtClean="0"/>
+              <a:t>Entidad</a:t>
+            </a:r>
+            <a:endParaRPr lang="es-ES" sz="2400" b="1" dirty="0"/>
+          </a:p>
+          <a:p>
+            <a:r>
+              <a:rPr lang="es-ES" sz="2400" dirty="0" smtClean="0"/>
+              <a:t> - Parqueadero</a:t>
+            </a:r>
+            <a:endParaRPr lang="es-ES" sz="2400" dirty="0"/>
+          </a:p>
+          <a:p>
+            <a:r>
+              <a:rPr lang="es-ES" sz="2400" b="1" dirty="0"/>
+              <a:t>Tema</a:t>
+            </a:r>
+          </a:p>
+          <a:p>
+            <a:r>
+              <a:rPr lang="es-ES" sz="2400" dirty="0"/>
+              <a:t> </a:t>
+            </a:r>
+            <a:r>
+              <a:rPr lang="es-ES" sz="2400" dirty="0" smtClean="0"/>
+              <a:t>- Facturación </a:t>
+            </a:r>
+            <a:r>
+              <a:rPr lang="es-ES" sz="2400" dirty="0"/>
+              <a:t>Parking.</a:t>
+            </a:r>
+          </a:p>
+          <a:p>
+            <a:r>
+              <a:rPr lang="es-ES" sz="2400" dirty="0"/>
+              <a:t> </a:t>
+            </a:r>
+            <a:r>
+              <a:rPr lang="es-ES" sz="2400" b="1" dirty="0" smtClean="0"/>
+              <a:t>Alcance</a:t>
+            </a:r>
+            <a:endParaRPr lang="es-ES" sz="2400" b="1" dirty="0"/>
+          </a:p>
+          <a:p>
+            <a:r>
+              <a:rPr lang="es-ES" sz="2400" dirty="0"/>
+              <a:t> </a:t>
+            </a:r>
+            <a:r>
+              <a:rPr lang="es-ES" sz="2400" dirty="0" smtClean="0"/>
+              <a:t>- Registrar </a:t>
+            </a:r>
+            <a:r>
+              <a:rPr lang="es-ES" sz="2400" dirty="0"/>
+              <a:t>Entrada y Salida de Vehículos</a:t>
+            </a:r>
+            <a:endParaRPr lang="es-PY" sz="2400" b="1" kern="0" dirty="0">
+              <a:latin typeface="Tahoma" charset="0"/>
+            </a:endParaRPr>
+          </a:p>
+        </p:txBody>
+      </p:sp>
     </p:spTree>
     <p:extLst>
       <p:ext uri="{BB962C8B-B14F-4D97-AF65-F5344CB8AC3E}">
-        <p14:creationId xmlns:p14="http://schemas.microsoft.com/office/powerpoint/2010/main" val="785852939"/>
+        <p14:creationId xmlns:p14="http://schemas.microsoft.com/office/powerpoint/2010/main" val="1730967589"/>
       </p:ext>
     </p:extLst>
   </p:cSld>
@@ -4637,8 +5580,8 @@
         </p:nvSpPr>
         <p:spPr>
           <a:xfrm>
-            <a:off x="647564" y="1772816"/>
-            <a:ext cx="7848872" cy="646112"/>
+            <a:off x="827088" y="1557338"/>
+            <a:ext cx="5400675" cy="646112"/>
           </a:xfrm>
         </p:spPr>
         <p:txBody>
@@ -4647,12 +5590,12 @@
           <a:p>
             <a:pPr eaLnBrk="1" hangingPunct="1"/>
             <a:r>
-              <a:rPr lang="es-ES" sz="2000" b="1" dirty="0">
+              <a:rPr lang="es-PY" b="1" dirty="0" smtClean="0">
                 <a:latin typeface="Tahoma" charset="0"/>
               </a:rPr>
-              <a:t>Diagrama de Caso de Uso Mantenimiento y Seguridad</a:t>
-            </a:r>
-            <a:endParaRPr lang="uk-UA" sz="2000" b="1" dirty="0">
+              <a:t>Herramientas Utilizadas</a:t>
+            </a:r>
+            <a:endParaRPr lang="es-PY" b="1" dirty="0">
               <a:latin typeface="Tahoma" charset="0"/>
             </a:endParaRPr>
           </a:p>
@@ -4660,44 +5603,213 @@
       </p:sp>
       <p:pic>
         <p:nvPicPr>
-          <p:cNvPr id="4" name="Imagen 3">
-            <a:extLst>
-              <a:ext uri="{FF2B5EF4-FFF2-40B4-BE49-F238E27FC236}">
-                <a16:creationId xmlns:a16="http://schemas.microsoft.com/office/drawing/2014/main" xmlns="" id="{1BCEAC43-4A8F-481A-B021-6BA38D926841}"/>
-              </a:ext>
-            </a:extLst>
-          </p:cNvPr>
+          <p:cNvPr id="1026" name="Picture 2" descr="UML Tools - Tutorial And Example"/>
           <p:cNvPicPr>
-            <a:picLocks noChangeAspect="1"/>
+            <a:picLocks noChangeAspect="1" noChangeArrowheads="1"/>
           </p:cNvPicPr>
           <p:nvPr/>
         </p:nvPicPr>
         <p:blipFill>
-          <a:blip r:embed="rId3">
+          <a:blip r:embed="rId3" cstate="print">
             <a:extLst>
               <a:ext uri="{28A0092B-C50C-407E-A947-70E740481C1C}">
                 <a14:useLocalDpi xmlns:a14="http://schemas.microsoft.com/office/drawing/2010/main" val="0"/>
               </a:ext>
             </a:extLst>
           </a:blip>
+          <a:srcRect/>
           <a:stretch>
             <a:fillRect/>
           </a:stretch>
         </p:blipFill>
-        <p:spPr>
+        <p:spPr bwMode="auto">
           <a:xfrm>
-            <a:off x="1115206" y="2564904"/>
-            <a:ext cx="6913587" cy="3543722"/>
+            <a:off x="899592" y="2996952"/>
+            <a:ext cx="936104" cy="1077825"/>
           </a:xfrm>
           <a:prstGeom prst="rect">
             <a:avLst/>
           </a:prstGeom>
+          <a:noFill/>
+          <a:extLst>
+            <a:ext uri="{909E8E84-426E-40DD-AFC4-6F175D3DCCD1}">
+              <a14:hiddenFill xmlns:a14="http://schemas.microsoft.com/office/drawing/2010/main">
+                <a:solidFill>
+                  <a:srgbClr val="FFFFFF"/>
+                </a:solidFill>
+              </a14:hiddenFill>
+            </a:ext>
+          </a:extLst>
+        </p:spPr>
+      </p:pic>
+      <p:pic>
+        <p:nvPicPr>
+          <p:cNvPr id="1028" name="Picture 4" descr="SQL Power Architect Review - Slant"/>
+          <p:cNvPicPr>
+            <a:picLocks noChangeAspect="1" noChangeArrowheads="1"/>
+          </p:cNvPicPr>
+          <p:nvPr/>
+        </p:nvPicPr>
+        <p:blipFill>
+          <a:blip r:embed="rId4">
+            <a:extLst>
+              <a:ext uri="{28A0092B-C50C-407E-A947-70E740481C1C}">
+                <a14:useLocalDpi xmlns:a14="http://schemas.microsoft.com/office/drawing/2010/main" val="0"/>
+              </a:ext>
+            </a:extLst>
+          </a:blip>
+          <a:srcRect/>
+          <a:stretch>
+            <a:fillRect/>
+          </a:stretch>
+        </p:blipFill>
+        <p:spPr bwMode="auto">
+          <a:xfrm>
+            <a:off x="2339752" y="2996951"/>
+            <a:ext cx="936104" cy="1077825"/>
+          </a:xfrm>
+          <a:prstGeom prst="rect">
+            <a:avLst/>
+          </a:prstGeom>
+          <a:noFill/>
+          <a:extLst>
+            <a:ext uri="{909E8E84-426E-40DD-AFC4-6F175D3DCCD1}">
+              <a14:hiddenFill xmlns:a14="http://schemas.microsoft.com/office/drawing/2010/main">
+                <a:solidFill>
+                  <a:srgbClr val="FFFFFF"/>
+                </a:solidFill>
+              </a14:hiddenFill>
+            </a:ext>
+          </a:extLst>
+        </p:spPr>
+      </p:pic>
+      <p:pic>
+        <p:nvPicPr>
+          <p:cNvPr id="1032" name="Picture 8" descr="Un fallo en la base de datos SQLite afecta a millones de apps y a los  sistemas de Apple"/>
+          <p:cNvPicPr>
+            <a:picLocks noChangeAspect="1" noChangeArrowheads="1"/>
+          </p:cNvPicPr>
+          <p:nvPr/>
+        </p:nvPicPr>
+        <p:blipFill>
+          <a:blip r:embed="rId5" cstate="print">
+            <a:extLst>
+              <a:ext uri="{28A0092B-C50C-407E-A947-70E740481C1C}">
+                <a14:useLocalDpi xmlns:a14="http://schemas.microsoft.com/office/drawing/2010/main" val="0"/>
+              </a:ext>
+            </a:extLst>
+          </a:blip>
+          <a:srcRect/>
+          <a:stretch>
+            <a:fillRect/>
+          </a:stretch>
+        </p:blipFill>
+        <p:spPr bwMode="auto">
+          <a:xfrm>
+            <a:off x="3779912" y="3316745"/>
+            <a:ext cx="1392089" cy="758031"/>
+          </a:xfrm>
+          <a:prstGeom prst="rect">
+            <a:avLst/>
+          </a:prstGeom>
+          <a:noFill/>
+          <a:extLst>
+            <a:ext uri="{909E8E84-426E-40DD-AFC4-6F175D3DCCD1}">
+              <a14:hiddenFill xmlns:a14="http://schemas.microsoft.com/office/drawing/2010/main">
+                <a:solidFill>
+                  <a:srgbClr val="FFFFFF"/>
+                </a:solidFill>
+              </a14:hiddenFill>
+            </a:ext>
+          </a:extLst>
+        </p:spPr>
+      </p:pic>
+      <p:pic>
+        <p:nvPicPr>
+          <p:cNvPr id="1034" name="Picture 10" descr="Google Developers: Android Studio 3.6"/>
+          <p:cNvPicPr>
+            <a:picLocks noChangeAspect="1" noChangeArrowheads="1"/>
+          </p:cNvPicPr>
+          <p:nvPr/>
+        </p:nvPicPr>
+        <p:blipFill>
+          <a:blip r:embed="rId6" cstate="print">
+            <a:extLst>
+              <a:ext uri="{28A0092B-C50C-407E-A947-70E740481C1C}">
+                <a14:useLocalDpi xmlns:a14="http://schemas.microsoft.com/office/drawing/2010/main" val="0"/>
+              </a:ext>
+            </a:extLst>
+          </a:blip>
+          <a:srcRect/>
+          <a:stretch>
+            <a:fillRect/>
+          </a:stretch>
+        </p:blipFill>
+        <p:spPr bwMode="auto">
+          <a:xfrm>
+            <a:off x="5508104" y="2991989"/>
+            <a:ext cx="1079930" cy="1077825"/>
+          </a:xfrm>
+          <a:prstGeom prst="rect">
+            <a:avLst/>
+          </a:prstGeom>
+          <a:noFill/>
+          <a:extLst>
+            <a:ext uri="{909E8E84-426E-40DD-AFC4-6F175D3DCCD1}">
+              <a14:hiddenFill xmlns:a14="http://schemas.microsoft.com/office/drawing/2010/main">
+                <a:solidFill>
+                  <a:srgbClr val="FFFFFF"/>
+                </a:solidFill>
+              </a14:hiddenFill>
+            </a:ext>
+          </a:extLst>
+        </p:spPr>
+      </p:pic>
+      <p:pic>
+        <p:nvPicPr>
+          <p:cNvPr id="1042" name="Picture 18" descr="GIT: Subir un proyecto existente a tu repositorio GITHUB - Aquí en sistemas"/>
+          <p:cNvPicPr>
+            <a:picLocks noChangeAspect="1" noChangeArrowheads="1"/>
+          </p:cNvPicPr>
+          <p:nvPr/>
+        </p:nvPicPr>
+        <p:blipFill>
+          <a:blip r:embed="rId7" cstate="print">
+            <a:extLst>
+              <a:ext uri="{28A0092B-C50C-407E-A947-70E740481C1C}">
+                <a14:useLocalDpi xmlns:a14="http://schemas.microsoft.com/office/drawing/2010/main" val="0"/>
+              </a:ext>
+            </a:extLst>
+          </a:blip>
+          <a:srcRect/>
+          <a:stretch>
+            <a:fillRect/>
+          </a:stretch>
+        </p:blipFill>
+        <p:spPr bwMode="auto">
+          <a:xfrm>
+            <a:off x="7308304" y="3146956"/>
+            <a:ext cx="922858" cy="922858"/>
+          </a:xfrm>
+          <a:prstGeom prst="rect">
+            <a:avLst/>
+          </a:prstGeom>
+          <a:noFill/>
+          <a:extLst>
+            <a:ext uri="{909E8E84-426E-40DD-AFC4-6F175D3DCCD1}">
+              <a14:hiddenFill xmlns:a14="http://schemas.microsoft.com/office/drawing/2010/main">
+                <a:solidFill>
+                  <a:srgbClr val="FFFFFF"/>
+                </a:solidFill>
+              </a14:hiddenFill>
+            </a:ext>
+          </a:extLst>
         </p:spPr>
       </p:pic>
     </p:spTree>
     <p:extLst>
       <p:ext uri="{BB962C8B-B14F-4D97-AF65-F5344CB8AC3E}">
-        <p14:creationId xmlns:p14="http://schemas.microsoft.com/office/powerpoint/2010/main" val="3638530927"/>
+        <p14:creationId xmlns:p14="http://schemas.microsoft.com/office/powerpoint/2010/main" val="2722796175"/>
       </p:ext>
     </p:extLst>
   </p:cSld>
@@ -4743,8 +5855,8 @@
         </p:nvSpPr>
         <p:spPr>
           <a:xfrm>
-            <a:off x="647564" y="1772816"/>
-            <a:ext cx="7848872" cy="646112"/>
+            <a:off x="827088" y="1557338"/>
+            <a:ext cx="5400675" cy="646112"/>
           </a:xfrm>
         </p:spPr>
         <p:txBody>
@@ -4753,18 +5865,30 @@
           <a:p>
             <a:pPr eaLnBrk="1" hangingPunct="1"/>
             <a:r>
-              <a:rPr lang="es-ES" sz="2000" b="1" dirty="0">
+              <a:rPr lang="es-PY" b="1" dirty="0" smtClean="0">
                 <a:latin typeface="Tahoma" charset="0"/>
               </a:rPr>
-              <a:t>Diagrama de Caso de Uso Entrada y Salida de </a:t>
-            </a:r>
-            <a:r>
-              <a:rPr lang="es-ES" sz="2000" b="1" dirty="0" smtClean="0">
+              <a:t>Modelo</a:t>
+            </a:r>
+            <a:r>
+              <a:rPr lang="en-US" b="1" dirty="0" smtClean="0">
                 <a:latin typeface="Tahoma" charset="0"/>
               </a:rPr>
-              <a:t>Vehículos</a:t>
-            </a:r>
-            <a:endParaRPr lang="uk-UA" sz="2000" b="1" dirty="0">
+              <a:t> </a:t>
+            </a:r>
+            <a:r>
+              <a:rPr lang="en-US" b="1" dirty="0">
+                <a:latin typeface="Tahoma" charset="0"/>
+              </a:rPr>
+              <a:t>de </a:t>
+            </a:r>
+            <a:r>
+              <a:rPr lang="es-PY" b="1" dirty="0" smtClean="0">
+                <a:latin typeface="Tahoma" charset="0"/>
+              </a:rPr>
+              <a:t>Negocio</a:t>
+            </a:r>
+            <a:endParaRPr lang="es-PY" b="1" dirty="0">
               <a:latin typeface="Tahoma" charset="0"/>
             </a:endParaRPr>
           </a:p>
@@ -4775,7 +5899,331 @@
           <p:cNvPr id="3" name="Imagen 2">
             <a:extLst>
               <a:ext uri="{FF2B5EF4-FFF2-40B4-BE49-F238E27FC236}">
-                <a16:creationId xmlns:a16="http://schemas.microsoft.com/office/drawing/2014/main" xmlns="" id="{428D123B-525E-494A-B705-91A6F5D2DD1C}"/>
+                <a16:creationId xmlns="" xmlns:a16="http://schemas.microsoft.com/office/drawing/2014/main" id="{876F6110-F1B2-43A7-83A0-1801E7BD68CC}"/>
+              </a:ext>
+            </a:extLst>
+          </p:cNvPr>
+          <p:cNvPicPr>
+            <a:picLocks noChangeAspect="1"/>
+          </p:cNvPicPr>
+          <p:nvPr/>
+        </p:nvPicPr>
+        <p:blipFill>
+          <a:blip r:embed="rId3">
+            <a:extLst>
+              <a:ext uri="{28A0092B-C50C-407E-A947-70E740481C1C}">
+                <a14:useLocalDpi xmlns:a14="http://schemas.microsoft.com/office/drawing/2010/main" val="0"/>
+              </a:ext>
+            </a:extLst>
+          </a:blip>
+          <a:stretch>
+            <a:fillRect/>
+          </a:stretch>
+        </p:blipFill>
+        <p:spPr>
+          <a:xfrm>
+            <a:off x="683568" y="2420888"/>
+            <a:ext cx="6572250" cy="3524250"/>
+          </a:xfrm>
+          <a:prstGeom prst="rect">
+            <a:avLst/>
+          </a:prstGeom>
+        </p:spPr>
+      </p:pic>
+    </p:spTree>
+    <p:extLst>
+      <p:ext uri="{BB962C8B-B14F-4D97-AF65-F5344CB8AC3E}">
+        <p14:creationId xmlns:p14="http://schemas.microsoft.com/office/powerpoint/2010/main" val="3988302921"/>
+      </p:ext>
+    </p:extLst>
+  </p:cSld>
+  <p:clrMapOvr>
+    <a:masterClrMapping/>
+  </p:clrMapOvr>
+  <p:timing>
+    <p:tnLst>
+      <p:par>
+        <p:cTn id="1" dur="indefinite" restart="never" nodeType="tmRoot"/>
+      </p:par>
+    </p:tnLst>
+  </p:timing>
+</p:sld>
+</file>
+
+<file path=ppt/slides/slide6.xml><?xml version="1.0" encoding="utf-8"?>
+<p:sld xmlns:a="http://schemas.openxmlformats.org/drawingml/2006/main" xmlns:r="http://schemas.openxmlformats.org/officeDocument/2006/relationships" xmlns:p="http://schemas.openxmlformats.org/presentationml/2006/main">
+  <p:cSld>
+    <p:spTree>
+      <p:nvGrpSpPr>
+        <p:cNvPr id="1" name=""/>
+        <p:cNvGrpSpPr/>
+        <p:nvPr/>
+      </p:nvGrpSpPr>
+      <p:grpSpPr>
+        <a:xfrm>
+          <a:off x="0" y="0"/>
+          <a:ext cx="0" cy="0"/>
+          <a:chOff x="0" y="0"/>
+          <a:chExt cx="0" cy="0"/>
+        </a:xfrm>
+      </p:grpSpPr>
+      <p:sp>
+        <p:nvSpPr>
+          <p:cNvPr id="4098" name="Rectangle 2"/>
+          <p:cNvSpPr>
+            <a:spLocks noGrp="1" noChangeArrowheads="1"/>
+          </p:cNvSpPr>
+          <p:nvPr>
+            <p:ph type="title"/>
+          </p:nvPr>
+        </p:nvSpPr>
+        <p:spPr>
+          <a:xfrm>
+            <a:off x="0" y="3429000"/>
+            <a:ext cx="5400675" cy="646112"/>
+          </a:xfrm>
+        </p:spPr>
+        <p:txBody>
+          <a:bodyPr/>
+          <a:lstStyle/>
+          <a:p>
+            <a:pPr eaLnBrk="1" hangingPunct="1"/>
+            <a:r>
+              <a:rPr lang="en-US" b="1" dirty="0">
+                <a:latin typeface="Tahoma" charset="0"/>
+              </a:rPr>
+              <a:t>DER </a:t>
+            </a:r>
+            <a:endParaRPr lang="uk-UA" b="1" dirty="0">
+              <a:latin typeface="Tahoma" charset="0"/>
+            </a:endParaRPr>
+          </a:p>
+        </p:txBody>
+      </p:sp>
+      <p:pic>
+        <p:nvPicPr>
+          <p:cNvPr id="3" name="Imagen 2">
+            <a:extLst>
+              <a:ext uri="{FF2B5EF4-FFF2-40B4-BE49-F238E27FC236}">
+                <a16:creationId xmlns="" xmlns:a16="http://schemas.microsoft.com/office/drawing/2014/main" id="{E00410B8-2192-418C-BAC0-098B0AE21500}"/>
+              </a:ext>
+            </a:extLst>
+          </p:cNvPr>
+          <p:cNvPicPr>
+            <a:picLocks noChangeAspect="1"/>
+          </p:cNvPicPr>
+          <p:nvPr/>
+        </p:nvPicPr>
+        <p:blipFill>
+          <a:blip r:embed="rId3">
+            <a:extLst>
+              <a:ext uri="{28A0092B-C50C-407E-A947-70E740481C1C}">
+                <a14:useLocalDpi xmlns:a14="http://schemas.microsoft.com/office/drawing/2010/main" val="0"/>
+              </a:ext>
+            </a:extLst>
+          </a:blip>
+          <a:stretch>
+            <a:fillRect/>
+          </a:stretch>
+        </p:blipFill>
+        <p:spPr>
+          <a:xfrm>
+            <a:off x="1605238" y="1700808"/>
+            <a:ext cx="7524328" cy="5040560"/>
+          </a:xfrm>
+          <a:prstGeom prst="rect">
+            <a:avLst/>
+          </a:prstGeom>
+        </p:spPr>
+      </p:pic>
+    </p:spTree>
+    <p:extLst>
+      <p:ext uri="{BB962C8B-B14F-4D97-AF65-F5344CB8AC3E}">
+        <p14:creationId xmlns:p14="http://schemas.microsoft.com/office/powerpoint/2010/main" val="785852939"/>
+      </p:ext>
+    </p:extLst>
+  </p:cSld>
+  <p:clrMapOvr>
+    <a:masterClrMapping/>
+  </p:clrMapOvr>
+  <p:timing>
+    <p:tnLst>
+      <p:par>
+        <p:cTn id="1" dur="indefinite" restart="never" nodeType="tmRoot"/>
+      </p:par>
+    </p:tnLst>
+  </p:timing>
+</p:sld>
+</file>
+
+<file path=ppt/slides/slide7.xml><?xml version="1.0" encoding="utf-8"?>
+<p:sld xmlns:a="http://schemas.openxmlformats.org/drawingml/2006/main" xmlns:r="http://schemas.openxmlformats.org/officeDocument/2006/relationships" xmlns:p="http://schemas.openxmlformats.org/presentationml/2006/main">
+  <p:cSld>
+    <p:spTree>
+      <p:nvGrpSpPr>
+        <p:cNvPr id="1" name=""/>
+        <p:cNvGrpSpPr/>
+        <p:nvPr/>
+      </p:nvGrpSpPr>
+      <p:grpSpPr>
+        <a:xfrm>
+          <a:off x="0" y="0"/>
+          <a:ext cx="0" cy="0"/>
+          <a:chOff x="0" y="0"/>
+          <a:chExt cx="0" cy="0"/>
+        </a:xfrm>
+      </p:grpSpPr>
+      <p:sp>
+        <p:nvSpPr>
+          <p:cNvPr id="4098" name="Rectangle 2"/>
+          <p:cNvSpPr>
+            <a:spLocks noGrp="1" noChangeArrowheads="1"/>
+          </p:cNvSpPr>
+          <p:nvPr>
+            <p:ph type="title"/>
+          </p:nvPr>
+        </p:nvSpPr>
+        <p:spPr>
+          <a:xfrm>
+            <a:off x="647564" y="1772816"/>
+            <a:ext cx="7848872" cy="646112"/>
+          </a:xfrm>
+        </p:spPr>
+        <p:txBody>
+          <a:bodyPr/>
+          <a:lstStyle/>
+          <a:p>
+            <a:pPr eaLnBrk="1" hangingPunct="1"/>
+            <a:r>
+              <a:rPr lang="es-ES" sz="2000" b="1" dirty="0">
+                <a:latin typeface="Tahoma" charset="0"/>
+              </a:rPr>
+              <a:t>Diagrama de Caso de Uso Mantenimiento y Seguridad</a:t>
+            </a:r>
+            <a:endParaRPr lang="uk-UA" sz="2000" b="1" dirty="0">
+              <a:latin typeface="Tahoma" charset="0"/>
+            </a:endParaRPr>
+          </a:p>
+        </p:txBody>
+      </p:sp>
+      <p:pic>
+        <p:nvPicPr>
+          <p:cNvPr id="4" name="Imagen 3">
+            <a:extLst>
+              <a:ext uri="{FF2B5EF4-FFF2-40B4-BE49-F238E27FC236}">
+                <a16:creationId xmlns="" xmlns:a16="http://schemas.microsoft.com/office/drawing/2014/main" id="{1BCEAC43-4A8F-481A-B021-6BA38D926841}"/>
+              </a:ext>
+            </a:extLst>
+          </p:cNvPr>
+          <p:cNvPicPr>
+            <a:picLocks noChangeAspect="1"/>
+          </p:cNvPicPr>
+          <p:nvPr/>
+        </p:nvPicPr>
+        <p:blipFill>
+          <a:blip r:embed="rId3">
+            <a:extLst>
+              <a:ext uri="{28A0092B-C50C-407E-A947-70E740481C1C}">
+                <a14:useLocalDpi xmlns:a14="http://schemas.microsoft.com/office/drawing/2010/main" val="0"/>
+              </a:ext>
+            </a:extLst>
+          </a:blip>
+          <a:stretch>
+            <a:fillRect/>
+          </a:stretch>
+        </p:blipFill>
+        <p:spPr>
+          <a:xfrm>
+            <a:off x="1115206" y="2564904"/>
+            <a:ext cx="6913587" cy="3543722"/>
+          </a:xfrm>
+          <a:prstGeom prst="rect">
+            <a:avLst/>
+          </a:prstGeom>
+        </p:spPr>
+      </p:pic>
+    </p:spTree>
+    <p:extLst>
+      <p:ext uri="{BB962C8B-B14F-4D97-AF65-F5344CB8AC3E}">
+        <p14:creationId xmlns:p14="http://schemas.microsoft.com/office/powerpoint/2010/main" val="3638530927"/>
+      </p:ext>
+    </p:extLst>
+  </p:cSld>
+  <p:clrMapOvr>
+    <a:masterClrMapping/>
+  </p:clrMapOvr>
+  <p:timing>
+    <p:tnLst>
+      <p:par>
+        <p:cTn id="1" dur="indefinite" restart="never" nodeType="tmRoot"/>
+      </p:par>
+    </p:tnLst>
+  </p:timing>
+</p:sld>
+</file>
+
+<file path=ppt/slides/slide8.xml><?xml version="1.0" encoding="utf-8"?>
+<p:sld xmlns:a="http://schemas.openxmlformats.org/drawingml/2006/main" xmlns:r="http://schemas.openxmlformats.org/officeDocument/2006/relationships" xmlns:p="http://schemas.openxmlformats.org/presentationml/2006/main">
+  <p:cSld>
+    <p:spTree>
+      <p:nvGrpSpPr>
+        <p:cNvPr id="1" name=""/>
+        <p:cNvGrpSpPr/>
+        <p:nvPr/>
+      </p:nvGrpSpPr>
+      <p:grpSpPr>
+        <a:xfrm>
+          <a:off x="0" y="0"/>
+          <a:ext cx="0" cy="0"/>
+          <a:chOff x="0" y="0"/>
+          <a:chExt cx="0" cy="0"/>
+        </a:xfrm>
+      </p:grpSpPr>
+      <p:sp>
+        <p:nvSpPr>
+          <p:cNvPr id="4098" name="Rectangle 2"/>
+          <p:cNvSpPr>
+            <a:spLocks noGrp="1" noChangeArrowheads="1"/>
+          </p:cNvSpPr>
+          <p:nvPr>
+            <p:ph type="title"/>
+          </p:nvPr>
+        </p:nvSpPr>
+        <p:spPr>
+          <a:xfrm>
+            <a:off x="647564" y="1772816"/>
+            <a:ext cx="7848872" cy="646112"/>
+          </a:xfrm>
+        </p:spPr>
+        <p:txBody>
+          <a:bodyPr/>
+          <a:lstStyle/>
+          <a:p>
+            <a:pPr eaLnBrk="1" hangingPunct="1"/>
+            <a:r>
+              <a:rPr lang="es-ES" sz="2000" b="1" dirty="0">
+                <a:latin typeface="Tahoma" charset="0"/>
+              </a:rPr>
+              <a:t>Diagrama de Caso de Uso Entrada y Salida de </a:t>
+            </a:r>
+            <a:r>
+              <a:rPr lang="es-ES" sz="2000" b="1" dirty="0" smtClean="0">
+                <a:latin typeface="Tahoma" charset="0"/>
+              </a:rPr>
+              <a:t>Vehículos</a:t>
+            </a:r>
+            <a:endParaRPr lang="uk-UA" sz="2000" b="1" dirty="0">
+              <a:latin typeface="Tahoma" charset="0"/>
+            </a:endParaRPr>
+          </a:p>
+        </p:txBody>
+      </p:sp>
+      <p:pic>
+        <p:nvPicPr>
+          <p:cNvPr id="3" name="Imagen 2">
+            <a:extLst>
+              <a:ext uri="{FF2B5EF4-FFF2-40B4-BE49-F238E27FC236}">
+                <a16:creationId xmlns="" xmlns:a16="http://schemas.microsoft.com/office/drawing/2014/main" id="{428D123B-525E-494A-B705-91A6F5D2DD1C}"/>
               </a:ext>
             </a:extLst>
           </p:cNvPr>
@@ -4826,7 +6274,7 @@
 </p:sld>
 </file>
 
-<file path=ppt/slides/slide6.xml><?xml version="1.0" encoding="utf-8"?>
+<file path=ppt/slides/slide9.xml><?xml version="1.0" encoding="utf-8"?>
 <p:sld xmlns:a="http://schemas.openxmlformats.org/drawingml/2006/main" xmlns:r="http://schemas.openxmlformats.org/officeDocument/2006/relationships" xmlns:p="http://schemas.openxmlformats.org/presentationml/2006/main">
   <p:cSld>
     <p:bg>
